--- a/slides/basic_stats.pptx
+++ b/slides/basic_stats.pptx
@@ -4282,7 +4282,7 @@
           <a:p>
             <a:r>
               <a:rPr lang="en-US" dirty="0" smtClean="0"/>
-              <a:t>Intro to Biostatistics</a:t>
+              <a:t>Basic statistics (with R)</a:t>
             </a:r>
             <a:endParaRPr lang="en-US" dirty="0"/>
           </a:p>

--- a/slides/basic_stats.pptx
+++ b/slides/basic_stats.pptx
@@ -291,7 +291,7 @@
           <a:p>
             <a:fld id="{23A7F9AB-9327-B04B-86B9-3C0B807AFADF}" type="datetimeFigureOut">
               <a:rPr lang="en-US" smtClean="0"/>
-              <a:t>03/06/16</a:t>
+              <a:t>05/06/16</a:t>
             </a:fld>
             <a:endParaRPr lang="en-US"/>
           </a:p>
@@ -1453,7 +1453,7 @@
           <a:p>
             <a:fld id="{AEA8AE1E-C1D1-544E-BEDE-15A80CCFD0B6}" type="datetimeFigureOut">
               <a:rPr lang="en-US" smtClean="0"/>
-              <a:t>03/06/16</a:t>
+              <a:t>05/06/16</a:t>
             </a:fld>
             <a:endParaRPr lang="en-US"/>
           </a:p>
@@ -1623,7 +1623,7 @@
           <a:p>
             <a:fld id="{AEA8AE1E-C1D1-544E-BEDE-15A80CCFD0B6}" type="datetimeFigureOut">
               <a:rPr lang="en-US" smtClean="0"/>
-              <a:t>03/06/16</a:t>
+              <a:t>05/06/16</a:t>
             </a:fld>
             <a:endParaRPr lang="en-US"/>
           </a:p>
@@ -1803,7 +1803,7 @@
           <a:p>
             <a:fld id="{AEA8AE1E-C1D1-544E-BEDE-15A80CCFD0B6}" type="datetimeFigureOut">
               <a:rPr lang="en-US" smtClean="0"/>
-              <a:t>03/06/16</a:t>
+              <a:t>05/06/16</a:t>
             </a:fld>
             <a:endParaRPr lang="en-US"/>
           </a:p>
@@ -1973,7 +1973,7 @@
           <a:p>
             <a:fld id="{AEA8AE1E-C1D1-544E-BEDE-15A80CCFD0B6}" type="datetimeFigureOut">
               <a:rPr lang="en-US" smtClean="0"/>
-              <a:t>03/06/16</a:t>
+              <a:t>05/06/16</a:t>
             </a:fld>
             <a:endParaRPr lang="en-US"/>
           </a:p>
@@ -2219,7 +2219,7 @@
           <a:p>
             <a:fld id="{AEA8AE1E-C1D1-544E-BEDE-15A80CCFD0B6}" type="datetimeFigureOut">
               <a:rPr lang="en-US" smtClean="0"/>
-              <a:t>03/06/16</a:t>
+              <a:t>05/06/16</a:t>
             </a:fld>
             <a:endParaRPr lang="en-US"/>
           </a:p>
@@ -2507,7 +2507,7 @@
           <a:p>
             <a:fld id="{AEA8AE1E-C1D1-544E-BEDE-15A80CCFD0B6}" type="datetimeFigureOut">
               <a:rPr lang="en-US" smtClean="0"/>
-              <a:t>03/06/16</a:t>
+              <a:t>05/06/16</a:t>
             </a:fld>
             <a:endParaRPr lang="en-US"/>
           </a:p>
@@ -2929,7 +2929,7 @@
           <a:p>
             <a:fld id="{AEA8AE1E-C1D1-544E-BEDE-15A80CCFD0B6}" type="datetimeFigureOut">
               <a:rPr lang="en-US" smtClean="0"/>
-              <a:t>03/06/16</a:t>
+              <a:t>05/06/16</a:t>
             </a:fld>
             <a:endParaRPr lang="en-US"/>
           </a:p>
@@ -3047,7 +3047,7 @@
           <a:p>
             <a:fld id="{AEA8AE1E-C1D1-544E-BEDE-15A80CCFD0B6}" type="datetimeFigureOut">
               <a:rPr lang="en-US" smtClean="0"/>
-              <a:t>03/06/16</a:t>
+              <a:t>05/06/16</a:t>
             </a:fld>
             <a:endParaRPr lang="en-US"/>
           </a:p>
@@ -3142,7 +3142,7 @@
           <a:p>
             <a:fld id="{AEA8AE1E-C1D1-544E-BEDE-15A80CCFD0B6}" type="datetimeFigureOut">
               <a:rPr lang="en-US" smtClean="0"/>
-              <a:t>03/06/16</a:t>
+              <a:t>05/06/16</a:t>
             </a:fld>
             <a:endParaRPr lang="en-US"/>
           </a:p>
@@ -3419,7 +3419,7 @@
           <a:p>
             <a:fld id="{AEA8AE1E-C1D1-544E-BEDE-15A80CCFD0B6}" type="datetimeFigureOut">
               <a:rPr lang="en-US" smtClean="0"/>
-              <a:t>03/06/16</a:t>
+              <a:t>05/06/16</a:t>
             </a:fld>
             <a:endParaRPr lang="en-US"/>
           </a:p>
@@ -3672,7 +3672,7 @@
           <a:p>
             <a:fld id="{AEA8AE1E-C1D1-544E-BEDE-15A80CCFD0B6}" type="datetimeFigureOut">
               <a:rPr lang="en-US" smtClean="0"/>
-              <a:t>03/06/16</a:t>
+              <a:t>05/06/16</a:t>
             </a:fld>
             <a:endParaRPr lang="en-US"/>
           </a:p>
@@ -3885,7 +3885,7 @@
           <a:p>
             <a:fld id="{AEA8AE1E-C1D1-544E-BEDE-15A80CCFD0B6}" type="datetimeFigureOut">
               <a:rPr lang="en-US" smtClean="0"/>
-              <a:t>03/06/16</a:t>
+              <a:t>05/06/16</a:t>
             </a:fld>
             <a:endParaRPr lang="en-US"/>
           </a:p>
@@ -4315,6 +4315,66 @@
           </a:p>
         </p:txBody>
       </p:sp>
+      <p:pic>
+        <p:nvPicPr>
+          <p:cNvPr id="4" name="Picture 3" descr="uob80.png"/>
+          <p:cNvPicPr>
+            <a:picLocks noChangeAspect="1"/>
+          </p:cNvPicPr>
+          <p:nvPr/>
+        </p:nvPicPr>
+        <p:blipFill>
+          <a:blip r:embed="rId3">
+            <a:extLst>
+              <a:ext uri="{28A0092B-C50C-407E-A947-70E740481C1C}">
+                <a14:useLocalDpi xmlns:a14="http://schemas.microsoft.com/office/drawing/2010/main" val="0"/>
+              </a:ext>
+            </a:extLst>
+          </a:blip>
+          <a:stretch>
+            <a:fillRect/>
+          </a:stretch>
+        </p:blipFill>
+        <p:spPr>
+          <a:xfrm>
+            <a:off x="262012" y="5589240"/>
+            <a:ext cx="3517900" cy="1016000"/>
+          </a:xfrm>
+          <a:prstGeom prst="rect">
+            <a:avLst/>
+          </a:prstGeom>
+        </p:spPr>
+      </p:pic>
+      <p:pic>
+        <p:nvPicPr>
+          <p:cNvPr id="5" name="Picture 4" descr="ieu80.png"/>
+          <p:cNvPicPr>
+            <a:picLocks noChangeAspect="1"/>
+          </p:cNvPicPr>
+          <p:nvPr/>
+        </p:nvPicPr>
+        <p:blipFill>
+          <a:blip r:embed="rId4">
+            <a:extLst>
+              <a:ext uri="{28A0092B-C50C-407E-A947-70E740481C1C}">
+                <a14:useLocalDpi xmlns:a14="http://schemas.microsoft.com/office/drawing/2010/main" val="0"/>
+              </a:ext>
+            </a:extLst>
+          </a:blip>
+          <a:stretch>
+            <a:fillRect/>
+          </a:stretch>
+        </p:blipFill>
+        <p:spPr>
+          <a:xfrm>
+            <a:off x="4141440" y="5661248"/>
+            <a:ext cx="2590800" cy="1016000"/>
+          </a:xfrm>
+          <a:prstGeom prst="rect">
+            <a:avLst/>
+          </a:prstGeom>
+        </p:spPr>
+      </p:pic>
     </p:spTree>
     <p:extLst>
       <p:ext uri="{BB962C8B-B14F-4D97-AF65-F5344CB8AC3E}">
@@ -6798,11 +6858,7 @@
           <a:p>
             <a:r>
               <a:rPr lang="en-US" dirty="0" smtClean="0"/>
-              <a:t>If the t-value from our experiment is in an extreme tail such that only 5% or less of all other t-values fall there too, typically this result is </a:t>
-            </a:r>
-            <a:r>
-              <a:rPr lang="en-US" dirty="0" smtClean="0"/>
-              <a:t>often deemed </a:t>
+              <a:t>If the t-value from our experiment is in an extreme tail such that only 5% or less of all other t-values fall there too, typically this result is often deemed </a:t>
             </a:r>
             <a:r>
               <a:rPr lang="en-US" dirty="0" smtClean="0">
